--- a/Docs/Esquema.pptx
+++ b/Docs/Esquema.pptx
@@ -6,6 +6,7 @@
   </p:sldMasterIdLst>
   <p:sldIdLst>
     <p:sldId id="256" r:id="rId2"/>
+    <p:sldId id="257" r:id="rId3"/>
   </p:sldIdLst>
   <p:sldSz cx="12192000" cy="6858000"/>
   <p:notesSz cx="6858000" cy="9144000"/>
@@ -259,7 +260,7 @@
           <a:p>
             <a:fld id="{E4812F32-FE33-4588-A995-D7012CF22FA8}" type="datetimeFigureOut">
               <a:rPr lang="en-US" smtClean="0"/>
-              <a:t>08-Nov-20</a:t>
+              <a:t>08-Dec-20</a:t>
             </a:fld>
             <a:endParaRPr lang="en-US"/>
           </a:p>
@@ -457,7 +458,7 @@
           <a:p>
             <a:fld id="{E4812F32-FE33-4588-A995-D7012CF22FA8}" type="datetimeFigureOut">
               <a:rPr lang="en-US" smtClean="0"/>
-              <a:t>08-Nov-20</a:t>
+              <a:t>08-Dec-20</a:t>
             </a:fld>
             <a:endParaRPr lang="en-US"/>
           </a:p>
@@ -665,7 +666,7 @@
           <a:p>
             <a:fld id="{E4812F32-FE33-4588-A995-D7012CF22FA8}" type="datetimeFigureOut">
               <a:rPr lang="en-US" smtClean="0"/>
-              <a:t>08-Nov-20</a:t>
+              <a:t>08-Dec-20</a:t>
             </a:fld>
             <a:endParaRPr lang="en-US"/>
           </a:p>
@@ -863,7 +864,7 @@
           <a:p>
             <a:fld id="{E4812F32-FE33-4588-A995-D7012CF22FA8}" type="datetimeFigureOut">
               <a:rPr lang="en-US" smtClean="0"/>
-              <a:t>08-Nov-20</a:t>
+              <a:t>08-Dec-20</a:t>
             </a:fld>
             <a:endParaRPr lang="en-US"/>
           </a:p>
@@ -1138,7 +1139,7 @@
           <a:p>
             <a:fld id="{E4812F32-FE33-4588-A995-D7012CF22FA8}" type="datetimeFigureOut">
               <a:rPr lang="en-US" smtClean="0"/>
-              <a:t>08-Nov-20</a:t>
+              <a:t>08-Dec-20</a:t>
             </a:fld>
             <a:endParaRPr lang="en-US"/>
           </a:p>
@@ -1403,7 +1404,7 @@
           <a:p>
             <a:fld id="{E4812F32-FE33-4588-A995-D7012CF22FA8}" type="datetimeFigureOut">
               <a:rPr lang="en-US" smtClean="0"/>
-              <a:t>08-Nov-20</a:t>
+              <a:t>08-Dec-20</a:t>
             </a:fld>
             <a:endParaRPr lang="en-US"/>
           </a:p>
@@ -1815,7 +1816,7 @@
           <a:p>
             <a:fld id="{E4812F32-FE33-4588-A995-D7012CF22FA8}" type="datetimeFigureOut">
               <a:rPr lang="en-US" smtClean="0"/>
-              <a:t>08-Nov-20</a:t>
+              <a:t>08-Dec-20</a:t>
             </a:fld>
             <a:endParaRPr lang="en-US"/>
           </a:p>
@@ -1956,7 +1957,7 @@
           <a:p>
             <a:fld id="{E4812F32-FE33-4588-A995-D7012CF22FA8}" type="datetimeFigureOut">
               <a:rPr lang="en-US" smtClean="0"/>
-              <a:t>08-Nov-20</a:t>
+              <a:t>08-Dec-20</a:t>
             </a:fld>
             <a:endParaRPr lang="en-US"/>
           </a:p>
@@ -2069,7 +2070,7 @@
           <a:p>
             <a:fld id="{E4812F32-FE33-4588-A995-D7012CF22FA8}" type="datetimeFigureOut">
               <a:rPr lang="en-US" smtClean="0"/>
-              <a:t>08-Nov-20</a:t>
+              <a:t>08-Dec-20</a:t>
             </a:fld>
             <a:endParaRPr lang="en-US"/>
           </a:p>
@@ -2380,7 +2381,7 @@
           <a:p>
             <a:fld id="{E4812F32-FE33-4588-A995-D7012CF22FA8}" type="datetimeFigureOut">
               <a:rPr lang="en-US" smtClean="0"/>
-              <a:t>08-Nov-20</a:t>
+              <a:t>08-Dec-20</a:t>
             </a:fld>
             <a:endParaRPr lang="en-US"/>
           </a:p>
@@ -2668,7 +2669,7 @@
           <a:p>
             <a:fld id="{E4812F32-FE33-4588-A995-D7012CF22FA8}" type="datetimeFigureOut">
               <a:rPr lang="en-US" smtClean="0"/>
-              <a:t>08-Nov-20</a:t>
+              <a:t>08-Dec-20</a:t>
             </a:fld>
             <a:endParaRPr lang="en-US"/>
           </a:p>
@@ -2909,7 +2910,7 @@
           <a:p>
             <a:fld id="{E4812F32-FE33-4588-A995-D7012CF22FA8}" type="datetimeFigureOut">
               <a:rPr lang="en-US" smtClean="0"/>
-              <a:t>08-Nov-20</a:t>
+              <a:t>08-Dec-20</a:t>
             </a:fld>
             <a:endParaRPr lang="en-US"/>
           </a:p>
@@ -3435,7 +3436,7 @@
             <a:pPr algn="ctr"/>
             <a:r>
               <a:rPr lang="en-US" dirty="0"/>
-              <a:t>Class Library (entity?)</a:t>
+              <a:t>Class Library     (entity Framework)</a:t>
             </a:r>
           </a:p>
         </p:txBody>
@@ -3868,7 +3869,15 @@
             </a:r>
             <a:r>
               <a:rPr lang="en-US" dirty="0"/>
-              <a:t> los clients y </a:t>
+              <a:t> los </a:t>
+            </a:r>
+            <a:r>
+              <a:rPr lang="en-US" dirty="0" err="1"/>
+              <a:t>clientes</a:t>
+            </a:r>
+            <a:r>
+              <a:rPr lang="en-US" dirty="0"/>
+              <a:t> y </a:t>
             </a:r>
             <a:r>
               <a:rPr lang="en-US" dirty="0" err="1"/>
@@ -4093,7 +4102,7 @@
             </a:r>
             <a:r>
               <a:rPr lang="en-US" dirty="0"/>
-              <a:t> que </a:t>
+              <a:t> de la BD que </a:t>
             </a:r>
             <a:r>
               <a:rPr lang="en-US" dirty="0" err="1"/>
@@ -4110,6 +4119,1365 @@
     <p:extLst>
       <p:ext uri="{BB962C8B-B14F-4D97-AF65-F5344CB8AC3E}">
         <p14:creationId xmlns:p14="http://schemas.microsoft.com/office/powerpoint/2010/main" val="3640146566"/>
+      </p:ext>
+    </p:extLst>
+  </p:cSld>
+  <p:clrMapOvr>
+    <a:masterClrMapping/>
+  </p:clrMapOvr>
+</p:sld>
+</file>
+
+<file path=ppt/slides/slide2.xml><?xml version="1.0" encoding="utf-8"?>
+<p:sld xmlns:a="http://schemas.openxmlformats.org/drawingml/2006/main" xmlns:r="http://schemas.openxmlformats.org/officeDocument/2006/relationships" xmlns:p="http://schemas.openxmlformats.org/presentationml/2006/main">
+  <p:cSld>
+    <p:spTree>
+      <p:nvGrpSpPr>
+        <p:cNvPr id="1" name=""/>
+        <p:cNvGrpSpPr/>
+        <p:nvPr/>
+      </p:nvGrpSpPr>
+      <p:grpSpPr>
+        <a:xfrm>
+          <a:off x="0" y="0"/>
+          <a:ext cx="0" cy="0"/>
+          <a:chOff x="0" y="0"/>
+          <a:chExt cx="0" cy="0"/>
+        </a:xfrm>
+      </p:grpSpPr>
+      <p:sp>
+        <p:nvSpPr>
+          <p:cNvPr id="2" name="Title 1">
+            <a:extLst>
+              <a:ext uri="{FF2B5EF4-FFF2-40B4-BE49-F238E27FC236}">
+                <a16:creationId xmlns:a16="http://schemas.microsoft.com/office/drawing/2014/main" id="{9C20454F-52C6-42D5-9D5B-EC76B2FF4CC4}"/>
+              </a:ext>
+            </a:extLst>
+          </p:cNvPr>
+          <p:cNvSpPr>
+            <a:spLocks noGrp="1"/>
+          </p:cNvSpPr>
+          <p:nvPr>
+            <p:ph type="title"/>
+          </p:nvPr>
+        </p:nvSpPr>
+        <p:spPr>
+          <a:xfrm>
+            <a:off x="838200" y="365125"/>
+            <a:ext cx="4798325" cy="330911"/>
+          </a:xfrm>
+        </p:spPr>
+        <p:txBody>
+          <a:bodyPr>
+            <a:normAutofit fontScale="90000"/>
+          </a:bodyPr>
+          <a:lstStyle/>
+          <a:p>
+            <a:r>
+              <a:rPr lang="en-US" dirty="0" err="1"/>
+              <a:t>Esquema</a:t>
+            </a:r>
+            <a:r>
+              <a:rPr lang="en-US" dirty="0"/>
+              <a:t> </a:t>
+            </a:r>
+            <a:r>
+              <a:rPr lang="en-US" dirty="0" err="1"/>
+              <a:t>Facturacion</a:t>
+            </a:r>
+            <a:endParaRPr lang="en-US" dirty="0"/>
+          </a:p>
+        </p:txBody>
+      </p:sp>
+      <p:sp>
+        <p:nvSpPr>
+          <p:cNvPr id="4" name="TextBox 3">
+            <a:extLst>
+              <a:ext uri="{FF2B5EF4-FFF2-40B4-BE49-F238E27FC236}">
+                <a16:creationId xmlns:a16="http://schemas.microsoft.com/office/drawing/2014/main" id="{58E3C013-7951-4CE0-8B23-F034C160F775}"/>
+              </a:ext>
+            </a:extLst>
+          </p:cNvPr>
+          <p:cNvSpPr txBox="1"/>
+          <p:nvPr/>
+        </p:nvSpPr>
+        <p:spPr>
+          <a:xfrm>
+            <a:off x="532808" y="4022973"/>
+            <a:ext cx="2270669" cy="3139321"/>
+          </a:xfrm>
+          <a:prstGeom prst="rect">
+            <a:avLst/>
+          </a:prstGeom>
+          <a:noFill/>
+        </p:spPr>
+        <p:txBody>
+          <a:bodyPr wrap="square" rtlCol="0">
+            <a:spAutoFit/>
+          </a:bodyPr>
+          <a:lstStyle/>
+          <a:p>
+            <a:r>
+              <a:rPr lang="en-US" b="1" dirty="0" err="1"/>
+              <a:t>Encabezado</a:t>
+            </a:r>
+            <a:r>
+              <a:rPr lang="en-US" b="1" dirty="0"/>
+              <a:t> </a:t>
+            </a:r>
+            <a:r>
+              <a:rPr lang="en-US" b="1" dirty="0" err="1"/>
+              <a:t>Recibo</a:t>
+            </a:r>
+            <a:endParaRPr lang="en-US" b="1" dirty="0"/>
+          </a:p>
+          <a:p>
+            <a:pPr marL="285750" indent="-285750">
+              <a:buFont typeface="Arial" panose="020B0604020202020204" pitchFamily="34" charset="0"/>
+              <a:buChar char="•"/>
+            </a:pPr>
+            <a:r>
+              <a:rPr lang="en-US" dirty="0" err="1"/>
+              <a:t>Numero</a:t>
+            </a:r>
+            <a:r>
+              <a:rPr lang="en-US" dirty="0"/>
+              <a:t> Factura</a:t>
+            </a:r>
+          </a:p>
+          <a:p>
+            <a:pPr marL="285750" indent="-285750">
+              <a:buFont typeface="Arial" panose="020B0604020202020204" pitchFamily="34" charset="0"/>
+              <a:buChar char="•"/>
+            </a:pPr>
+            <a:r>
+              <a:rPr lang="en-US" dirty="0" err="1"/>
+              <a:t>Fecha</a:t>
+            </a:r>
+            <a:r>
+              <a:rPr lang="en-US" dirty="0"/>
+              <a:t> </a:t>
+            </a:r>
+            <a:r>
+              <a:rPr lang="en-US" dirty="0" err="1"/>
+              <a:t>Creacion</a:t>
+            </a:r>
+            <a:endParaRPr lang="en-US" dirty="0"/>
+          </a:p>
+          <a:p>
+            <a:pPr marL="285750" indent="-285750">
+              <a:buFont typeface="Arial" panose="020B0604020202020204" pitchFamily="34" charset="0"/>
+              <a:buChar char="•"/>
+            </a:pPr>
+            <a:r>
+              <a:rPr lang="en-US" dirty="0" err="1"/>
+              <a:t>Fecha</a:t>
+            </a:r>
+            <a:r>
+              <a:rPr lang="en-US" dirty="0"/>
+              <a:t> </a:t>
+            </a:r>
+            <a:r>
+              <a:rPr lang="en-US" dirty="0" err="1"/>
+              <a:t>Modificacion</a:t>
+            </a:r>
+            <a:endParaRPr lang="en-US" dirty="0"/>
+          </a:p>
+          <a:p>
+            <a:pPr marL="285750" indent="-285750">
+              <a:buFont typeface="Arial" panose="020B0604020202020204" pitchFamily="34" charset="0"/>
+              <a:buChar char="•"/>
+            </a:pPr>
+            <a:r>
+              <a:rPr lang="en-US" dirty="0" err="1"/>
+              <a:t>Paciente</a:t>
+            </a:r>
+            <a:endParaRPr lang="en-US" dirty="0"/>
+          </a:p>
+          <a:p>
+            <a:pPr marL="285750" indent="-285750">
+              <a:buFont typeface="Arial" panose="020B0604020202020204" pitchFamily="34" charset="0"/>
+              <a:buChar char="•"/>
+            </a:pPr>
+            <a:r>
+              <a:rPr lang="en-US" dirty="0" err="1"/>
+              <a:t>TotalFacturado</a:t>
+            </a:r>
+            <a:endParaRPr lang="en-US" dirty="0"/>
+          </a:p>
+          <a:p>
+            <a:pPr marL="285750" indent="-285750">
+              <a:buFont typeface="Arial" panose="020B0604020202020204" pitchFamily="34" charset="0"/>
+              <a:buChar char="•"/>
+            </a:pPr>
+            <a:r>
+              <a:rPr lang="en-US" dirty="0" err="1"/>
+              <a:t>TotalCobrado</a:t>
+            </a:r>
+            <a:endParaRPr lang="en-US" dirty="0"/>
+          </a:p>
+          <a:p>
+            <a:pPr marL="285750" indent="-285750">
+              <a:buFont typeface="Arial" panose="020B0604020202020204" pitchFamily="34" charset="0"/>
+              <a:buChar char="•"/>
+            </a:pPr>
+            <a:r>
+              <a:rPr lang="en-US" dirty="0" err="1"/>
+              <a:t>Cajero</a:t>
+            </a:r>
+            <a:endParaRPr lang="en-US" dirty="0"/>
+          </a:p>
+          <a:p>
+            <a:pPr marL="285750" indent="-285750">
+              <a:buFont typeface="Arial" panose="020B0604020202020204" pitchFamily="34" charset="0"/>
+              <a:buChar char="•"/>
+            </a:pPr>
+            <a:r>
+              <a:rPr lang="en-US" dirty="0"/>
+              <a:t>Estado</a:t>
+            </a:r>
+          </a:p>
+          <a:p>
+            <a:pPr marL="285750" indent="-285750">
+              <a:buFont typeface="Arial" panose="020B0604020202020204" pitchFamily="34" charset="0"/>
+              <a:buChar char="•"/>
+            </a:pPr>
+            <a:r>
+              <a:rPr lang="en-US" dirty="0" err="1"/>
+              <a:t>Comentarios</a:t>
+            </a:r>
+            <a:endParaRPr lang="en-US" dirty="0"/>
+          </a:p>
+          <a:p>
+            <a:pPr marL="285750" indent="-285750">
+              <a:buFont typeface="Arial" panose="020B0604020202020204" pitchFamily="34" charset="0"/>
+              <a:buChar char="•"/>
+            </a:pPr>
+            <a:endParaRPr lang="en-US" dirty="0"/>
+          </a:p>
+        </p:txBody>
+      </p:sp>
+      <p:sp>
+        <p:nvSpPr>
+          <p:cNvPr id="5" name="TextBox 4">
+            <a:extLst>
+              <a:ext uri="{FF2B5EF4-FFF2-40B4-BE49-F238E27FC236}">
+                <a16:creationId xmlns:a16="http://schemas.microsoft.com/office/drawing/2014/main" id="{11FDCFBA-52C2-44AE-A015-63D114975CAC}"/>
+              </a:ext>
+            </a:extLst>
+          </p:cNvPr>
+          <p:cNvSpPr txBox="1"/>
+          <p:nvPr/>
+        </p:nvSpPr>
+        <p:spPr>
+          <a:xfrm>
+            <a:off x="2978114" y="4050421"/>
+            <a:ext cx="1640517" cy="1739044"/>
+          </a:xfrm>
+          <a:prstGeom prst="rect">
+            <a:avLst/>
+          </a:prstGeom>
+          <a:noFill/>
+        </p:spPr>
+        <p:txBody>
+          <a:bodyPr wrap="square" rtlCol="0">
+            <a:spAutoFit/>
+          </a:bodyPr>
+          <a:lstStyle/>
+          <a:p>
+            <a:r>
+              <a:rPr lang="en-US" b="1" dirty="0" err="1"/>
+              <a:t>Detalle</a:t>
+            </a:r>
+            <a:r>
+              <a:rPr lang="en-US" b="1" dirty="0"/>
+              <a:t> </a:t>
+            </a:r>
+            <a:r>
+              <a:rPr lang="en-US" b="1" dirty="0" err="1"/>
+              <a:t>Recibo</a:t>
+            </a:r>
+            <a:endParaRPr lang="en-US" b="1" dirty="0"/>
+          </a:p>
+          <a:p>
+            <a:pPr marL="285750" indent="-285750">
+              <a:buFont typeface="Arial" panose="020B0604020202020204" pitchFamily="34" charset="0"/>
+              <a:buChar char="•"/>
+            </a:pPr>
+            <a:r>
+              <a:rPr lang="en-US" dirty="0"/>
+              <a:t>Id</a:t>
+            </a:r>
+          </a:p>
+          <a:p>
+            <a:pPr marL="285750" indent="-285750">
+              <a:buFont typeface="Arial" panose="020B0604020202020204" pitchFamily="34" charset="0"/>
+              <a:buChar char="•"/>
+            </a:pPr>
+            <a:r>
+              <a:rPr lang="en-US" dirty="0"/>
+              <a:t>Factura</a:t>
+            </a:r>
+          </a:p>
+          <a:p>
+            <a:pPr marL="285750" indent="-285750">
+              <a:buFont typeface="Arial" panose="020B0604020202020204" pitchFamily="34" charset="0"/>
+              <a:buChar char="•"/>
+            </a:pPr>
+            <a:r>
+              <a:rPr lang="en-US" dirty="0" err="1"/>
+              <a:t>Servicio</a:t>
+            </a:r>
+            <a:endParaRPr lang="en-US" dirty="0"/>
+          </a:p>
+          <a:p>
+            <a:pPr marL="285750" indent="-285750">
+              <a:buFont typeface="Arial" panose="020B0604020202020204" pitchFamily="34" charset="0"/>
+              <a:buChar char="•"/>
+            </a:pPr>
+            <a:r>
+              <a:rPr lang="en-US" dirty="0"/>
+              <a:t>Valor</a:t>
+            </a:r>
+          </a:p>
+          <a:p>
+            <a:pPr marL="285750" indent="-285750">
+              <a:buFont typeface="Arial" panose="020B0604020202020204" pitchFamily="34" charset="0"/>
+              <a:buChar char="•"/>
+            </a:pPr>
+            <a:r>
+              <a:rPr lang="en-US" dirty="0" err="1"/>
+              <a:t>Cantidad</a:t>
+            </a:r>
+            <a:endParaRPr lang="en-US" dirty="0"/>
+          </a:p>
+        </p:txBody>
+      </p:sp>
+      <p:sp>
+        <p:nvSpPr>
+          <p:cNvPr id="6" name="TextBox 5">
+            <a:extLst>
+              <a:ext uri="{FF2B5EF4-FFF2-40B4-BE49-F238E27FC236}">
+                <a16:creationId xmlns:a16="http://schemas.microsoft.com/office/drawing/2014/main" id="{D50FF5C4-D8CD-43E0-B0A8-949068A73318}"/>
+              </a:ext>
+            </a:extLst>
+          </p:cNvPr>
+          <p:cNvSpPr txBox="1"/>
+          <p:nvPr/>
+        </p:nvSpPr>
+        <p:spPr>
+          <a:xfrm>
+            <a:off x="4799403" y="4050421"/>
+            <a:ext cx="1640517" cy="2308324"/>
+          </a:xfrm>
+          <a:prstGeom prst="rect">
+            <a:avLst/>
+          </a:prstGeom>
+          <a:noFill/>
+        </p:spPr>
+        <p:txBody>
+          <a:bodyPr wrap="square" rtlCol="0">
+            <a:spAutoFit/>
+          </a:bodyPr>
+          <a:lstStyle/>
+          <a:p>
+            <a:r>
+              <a:rPr lang="en-US" b="1" dirty="0" err="1"/>
+              <a:t>Pagos</a:t>
+            </a:r>
+            <a:endParaRPr lang="en-US" b="1" dirty="0"/>
+          </a:p>
+          <a:p>
+            <a:pPr marL="285750" indent="-285750">
+              <a:buFont typeface="Arial" panose="020B0604020202020204" pitchFamily="34" charset="0"/>
+              <a:buChar char="•"/>
+            </a:pPr>
+            <a:r>
+              <a:rPr lang="en-US" dirty="0"/>
+              <a:t>Id</a:t>
+            </a:r>
+          </a:p>
+          <a:p>
+            <a:pPr marL="285750" indent="-285750">
+              <a:buFont typeface="Arial" panose="020B0604020202020204" pitchFamily="34" charset="0"/>
+              <a:buChar char="•"/>
+            </a:pPr>
+            <a:r>
+              <a:rPr lang="en-US" dirty="0" err="1"/>
+              <a:t>Fecha</a:t>
+            </a:r>
+            <a:endParaRPr lang="en-US" dirty="0"/>
+          </a:p>
+          <a:p>
+            <a:pPr marL="285750" indent="-285750">
+              <a:buFont typeface="Arial" panose="020B0604020202020204" pitchFamily="34" charset="0"/>
+              <a:buChar char="•"/>
+            </a:pPr>
+            <a:r>
+              <a:rPr lang="en-US" dirty="0"/>
+              <a:t>Factura</a:t>
+            </a:r>
+          </a:p>
+          <a:p>
+            <a:pPr marL="285750" indent="-285750">
+              <a:buFont typeface="Arial" panose="020B0604020202020204" pitchFamily="34" charset="0"/>
+              <a:buChar char="•"/>
+            </a:pPr>
+            <a:r>
+              <a:rPr lang="en-US" dirty="0"/>
+              <a:t>Monto</a:t>
+            </a:r>
+          </a:p>
+          <a:p>
+            <a:pPr marL="285750" indent="-285750">
+              <a:buFont typeface="Arial" panose="020B0604020202020204" pitchFamily="34" charset="0"/>
+              <a:buChar char="•"/>
+            </a:pPr>
+            <a:r>
+              <a:rPr lang="en-US" dirty="0" err="1"/>
+              <a:t>FormaPago</a:t>
+            </a:r>
+            <a:endParaRPr lang="en-US" dirty="0"/>
+          </a:p>
+          <a:p>
+            <a:pPr marL="285750" indent="-285750">
+              <a:buFont typeface="Arial" panose="020B0604020202020204" pitchFamily="34" charset="0"/>
+              <a:buChar char="•"/>
+            </a:pPr>
+            <a:r>
+              <a:rPr lang="en-US" dirty="0" err="1"/>
+              <a:t>Referencia</a:t>
+            </a:r>
+            <a:endParaRPr lang="en-US" dirty="0"/>
+          </a:p>
+          <a:p>
+            <a:pPr marL="285750" indent="-285750">
+              <a:buFont typeface="Arial" panose="020B0604020202020204" pitchFamily="34" charset="0"/>
+              <a:buChar char="•"/>
+            </a:pPr>
+            <a:endParaRPr lang="en-US" dirty="0"/>
+          </a:p>
+        </p:txBody>
+      </p:sp>
+      <p:sp>
+        <p:nvSpPr>
+          <p:cNvPr id="7" name="Rectangle: Rounded Corners 6">
+            <a:extLst>
+              <a:ext uri="{FF2B5EF4-FFF2-40B4-BE49-F238E27FC236}">
+                <a16:creationId xmlns:a16="http://schemas.microsoft.com/office/drawing/2014/main" id="{C54CA430-D264-49E7-814C-3F5A887B671B}"/>
+              </a:ext>
+            </a:extLst>
+          </p:cNvPr>
+          <p:cNvSpPr/>
+          <p:nvPr/>
+        </p:nvSpPr>
+        <p:spPr>
+          <a:xfrm>
+            <a:off x="838200" y="1821236"/>
+            <a:ext cx="1864057" cy="532262"/>
+          </a:xfrm>
+          <a:prstGeom prst="roundRect">
+            <a:avLst/>
+          </a:prstGeom>
+        </p:spPr>
+        <p:style>
+          <a:lnRef idx="2">
+            <a:schemeClr val="accent1">
+              <a:shade val="50000"/>
+            </a:schemeClr>
+          </a:lnRef>
+          <a:fillRef idx="1">
+            <a:schemeClr val="accent1"/>
+          </a:fillRef>
+          <a:effectRef idx="0">
+            <a:schemeClr val="accent1"/>
+          </a:effectRef>
+          <a:fontRef idx="minor">
+            <a:schemeClr val="lt1"/>
+          </a:fontRef>
+        </p:style>
+        <p:txBody>
+          <a:bodyPr rtlCol="0" anchor="ctr"/>
+          <a:lstStyle/>
+          <a:p>
+            <a:pPr algn="ctr"/>
+            <a:r>
+              <a:rPr lang="es-419" sz="1400"/>
+              <a:t>Recibo Pago</a:t>
+            </a:r>
+          </a:p>
+        </p:txBody>
+      </p:sp>
+      <p:sp>
+        <p:nvSpPr>
+          <p:cNvPr id="8" name="Rectangle: Rounded Corners 7">
+            <a:extLst>
+              <a:ext uri="{FF2B5EF4-FFF2-40B4-BE49-F238E27FC236}">
+                <a16:creationId xmlns:a16="http://schemas.microsoft.com/office/drawing/2014/main" id="{9240AEF5-AF13-4F78-8D03-9CDE1261ADF1}"/>
+              </a:ext>
+            </a:extLst>
+          </p:cNvPr>
+          <p:cNvSpPr/>
+          <p:nvPr/>
+        </p:nvSpPr>
+        <p:spPr>
+          <a:xfrm>
+            <a:off x="2803477" y="841865"/>
+            <a:ext cx="1864057" cy="532262"/>
+          </a:xfrm>
+          <a:prstGeom prst="roundRect">
+            <a:avLst/>
+          </a:prstGeom>
+        </p:spPr>
+        <p:style>
+          <a:lnRef idx="2">
+            <a:schemeClr val="accent1">
+              <a:shade val="50000"/>
+            </a:schemeClr>
+          </a:lnRef>
+          <a:fillRef idx="1">
+            <a:schemeClr val="accent1"/>
+          </a:fillRef>
+          <a:effectRef idx="0">
+            <a:schemeClr val="accent1"/>
+          </a:effectRef>
+          <a:fontRef idx="minor">
+            <a:schemeClr val="lt1"/>
+          </a:fontRef>
+        </p:style>
+        <p:txBody>
+          <a:bodyPr rtlCol="0" anchor="ctr"/>
+          <a:lstStyle/>
+          <a:p>
+            <a:pPr algn="ctr"/>
+            <a:r>
+              <a:rPr lang="es-419" sz="1400" dirty="0"/>
+              <a:t>Paciente</a:t>
+            </a:r>
+          </a:p>
+        </p:txBody>
+      </p:sp>
+      <p:cxnSp>
+        <p:nvCxnSpPr>
+          <p:cNvPr id="10" name="Connector: Elbow 9">
+            <a:extLst>
+              <a:ext uri="{FF2B5EF4-FFF2-40B4-BE49-F238E27FC236}">
+                <a16:creationId xmlns:a16="http://schemas.microsoft.com/office/drawing/2014/main" id="{7DDA9AAD-229E-4C17-BB6A-BDA2FB91377C}"/>
+              </a:ext>
+            </a:extLst>
+          </p:cNvPr>
+          <p:cNvCxnSpPr>
+            <a:stCxn id="7" idx="0"/>
+            <a:endCxn id="8" idx="1"/>
+          </p:cNvCxnSpPr>
+          <p:nvPr/>
+        </p:nvCxnSpPr>
+        <p:spPr>
+          <a:xfrm rot="5400000" flipH="1" flipV="1">
+            <a:off x="1930233" y="947992"/>
+            <a:ext cx="713240" cy="1033248"/>
+          </a:xfrm>
+          <a:prstGeom prst="bentConnector2">
+            <a:avLst/>
+          </a:prstGeom>
+          <a:ln>
+            <a:tailEnd type="triangle"/>
+          </a:ln>
+        </p:spPr>
+        <p:style>
+          <a:lnRef idx="1">
+            <a:schemeClr val="accent1"/>
+          </a:lnRef>
+          <a:fillRef idx="0">
+            <a:schemeClr val="accent1"/>
+          </a:fillRef>
+          <a:effectRef idx="0">
+            <a:schemeClr val="accent1"/>
+          </a:effectRef>
+          <a:fontRef idx="minor">
+            <a:schemeClr val="tx1"/>
+          </a:fontRef>
+        </p:style>
+      </p:cxnSp>
+      <p:sp>
+        <p:nvSpPr>
+          <p:cNvPr id="11" name="TextBox 10">
+            <a:extLst>
+              <a:ext uri="{FF2B5EF4-FFF2-40B4-BE49-F238E27FC236}">
+                <a16:creationId xmlns:a16="http://schemas.microsoft.com/office/drawing/2014/main" id="{5D312081-7D69-4312-B6A5-68F6D20464AE}"/>
+              </a:ext>
+            </a:extLst>
+          </p:cNvPr>
+          <p:cNvSpPr txBox="1"/>
+          <p:nvPr/>
+        </p:nvSpPr>
+        <p:spPr>
+          <a:xfrm rot="16200000" flipH="1">
+            <a:off x="823176" y="954107"/>
+            <a:ext cx="1564717" cy="307777"/>
+          </a:xfrm>
+          <a:prstGeom prst="rect">
+            <a:avLst/>
+          </a:prstGeom>
+          <a:noFill/>
+        </p:spPr>
+        <p:txBody>
+          <a:bodyPr wrap="square" rtlCol="0">
+            <a:spAutoFit/>
+          </a:bodyPr>
+          <a:lstStyle/>
+          <a:p>
+            <a:r>
+              <a:rPr lang="en-US" sz="1400" dirty="0" err="1"/>
+              <a:t>Pertenece</a:t>
+            </a:r>
+            <a:r>
+              <a:rPr lang="en-US" sz="1400" dirty="0"/>
+              <a:t> A</a:t>
+            </a:r>
+          </a:p>
+        </p:txBody>
+      </p:sp>
+      <p:sp>
+        <p:nvSpPr>
+          <p:cNvPr id="13" name="Rectangle: Rounded Corners 12">
+            <a:extLst>
+              <a:ext uri="{FF2B5EF4-FFF2-40B4-BE49-F238E27FC236}">
+                <a16:creationId xmlns:a16="http://schemas.microsoft.com/office/drawing/2014/main" id="{BFC74E54-3E61-4F20-9E13-C41BAC655757}"/>
+              </a:ext>
+            </a:extLst>
+          </p:cNvPr>
+          <p:cNvSpPr/>
+          <p:nvPr/>
+        </p:nvSpPr>
+        <p:spPr>
+          <a:xfrm>
+            <a:off x="838200" y="3066738"/>
+            <a:ext cx="1864057" cy="532262"/>
+          </a:xfrm>
+          <a:prstGeom prst="roundRect">
+            <a:avLst/>
+          </a:prstGeom>
+        </p:spPr>
+        <p:style>
+          <a:lnRef idx="2">
+            <a:schemeClr val="accent1">
+              <a:shade val="50000"/>
+            </a:schemeClr>
+          </a:lnRef>
+          <a:fillRef idx="1">
+            <a:schemeClr val="accent1"/>
+          </a:fillRef>
+          <a:effectRef idx="0">
+            <a:schemeClr val="accent1"/>
+          </a:effectRef>
+          <a:fontRef idx="minor">
+            <a:schemeClr val="lt1"/>
+          </a:fontRef>
+        </p:style>
+        <p:txBody>
+          <a:bodyPr rtlCol="0" anchor="ctr"/>
+          <a:lstStyle/>
+          <a:p>
+            <a:pPr algn="ctr"/>
+            <a:r>
+              <a:rPr lang="es-419" sz="1400" dirty="0"/>
+              <a:t>Cajero</a:t>
+            </a:r>
+          </a:p>
+        </p:txBody>
+      </p:sp>
+      <p:cxnSp>
+        <p:nvCxnSpPr>
+          <p:cNvPr id="16" name="Straight Arrow Connector 15">
+            <a:extLst>
+              <a:ext uri="{FF2B5EF4-FFF2-40B4-BE49-F238E27FC236}">
+                <a16:creationId xmlns:a16="http://schemas.microsoft.com/office/drawing/2014/main" id="{550DEBE7-D257-4892-86B3-D1392748EE0E}"/>
+              </a:ext>
+            </a:extLst>
+          </p:cNvPr>
+          <p:cNvCxnSpPr>
+            <a:stCxn id="7" idx="2"/>
+            <a:endCxn id="13" idx="0"/>
+          </p:cNvCxnSpPr>
+          <p:nvPr/>
+        </p:nvCxnSpPr>
+        <p:spPr>
+          <a:xfrm>
+            <a:off x="1770229" y="2353498"/>
+            <a:ext cx="0" cy="713240"/>
+          </a:xfrm>
+          <a:prstGeom prst="straightConnector1">
+            <a:avLst/>
+          </a:prstGeom>
+          <a:ln>
+            <a:tailEnd type="triangle"/>
+          </a:ln>
+        </p:spPr>
+        <p:style>
+          <a:lnRef idx="1">
+            <a:schemeClr val="accent1"/>
+          </a:lnRef>
+          <a:fillRef idx="0">
+            <a:schemeClr val="accent1"/>
+          </a:fillRef>
+          <a:effectRef idx="0">
+            <a:schemeClr val="accent1"/>
+          </a:effectRef>
+          <a:fontRef idx="minor">
+            <a:schemeClr val="tx1"/>
+          </a:fontRef>
+        </p:style>
+      </p:cxnSp>
+      <p:sp>
+        <p:nvSpPr>
+          <p:cNvPr id="17" name="TextBox 16">
+            <a:extLst>
+              <a:ext uri="{FF2B5EF4-FFF2-40B4-BE49-F238E27FC236}">
+                <a16:creationId xmlns:a16="http://schemas.microsoft.com/office/drawing/2014/main" id="{4C319CA9-4D37-435B-98CC-EA25CEB0FB3E}"/>
+              </a:ext>
+            </a:extLst>
+          </p:cNvPr>
+          <p:cNvSpPr txBox="1"/>
+          <p:nvPr/>
+        </p:nvSpPr>
+        <p:spPr>
+          <a:xfrm flipH="1">
+            <a:off x="532808" y="2544416"/>
+            <a:ext cx="1564717" cy="307777"/>
+          </a:xfrm>
+          <a:prstGeom prst="rect">
+            <a:avLst/>
+          </a:prstGeom>
+          <a:noFill/>
+        </p:spPr>
+        <p:txBody>
+          <a:bodyPr wrap="square" rtlCol="0">
+            <a:spAutoFit/>
+          </a:bodyPr>
+          <a:lstStyle/>
+          <a:p>
+            <a:r>
+              <a:rPr lang="en-US" sz="1400" dirty="0" err="1"/>
+              <a:t>Registrado</a:t>
+            </a:r>
+            <a:r>
+              <a:rPr lang="en-US" sz="1400" dirty="0"/>
+              <a:t> por</a:t>
+            </a:r>
+          </a:p>
+        </p:txBody>
+      </p:sp>
+      <p:sp>
+        <p:nvSpPr>
+          <p:cNvPr id="20" name="Rectangle: Rounded Corners 19">
+            <a:extLst>
+              <a:ext uri="{FF2B5EF4-FFF2-40B4-BE49-F238E27FC236}">
+                <a16:creationId xmlns:a16="http://schemas.microsoft.com/office/drawing/2014/main" id="{7520516A-DAB1-4622-956A-BAF9E53089FE}"/>
+              </a:ext>
+            </a:extLst>
+          </p:cNvPr>
+          <p:cNvSpPr/>
+          <p:nvPr/>
+        </p:nvSpPr>
+        <p:spPr>
+          <a:xfrm>
+            <a:off x="4357619" y="1821236"/>
+            <a:ext cx="1864057" cy="532262"/>
+          </a:xfrm>
+          <a:prstGeom prst="roundRect">
+            <a:avLst/>
+          </a:prstGeom>
+        </p:spPr>
+        <p:style>
+          <a:lnRef idx="2">
+            <a:schemeClr val="accent1">
+              <a:shade val="50000"/>
+            </a:schemeClr>
+          </a:lnRef>
+          <a:fillRef idx="1">
+            <a:schemeClr val="accent1"/>
+          </a:fillRef>
+          <a:effectRef idx="0">
+            <a:schemeClr val="accent1"/>
+          </a:effectRef>
+          <a:fontRef idx="minor">
+            <a:schemeClr val="lt1"/>
+          </a:fontRef>
+        </p:style>
+        <p:txBody>
+          <a:bodyPr rtlCol="0" anchor="ctr"/>
+          <a:lstStyle/>
+          <a:p>
+            <a:pPr algn="ctr"/>
+            <a:r>
+              <a:rPr lang="es-419" sz="1400" dirty="0"/>
+              <a:t>Detalle Servicios</a:t>
+            </a:r>
+          </a:p>
+        </p:txBody>
+      </p:sp>
+      <p:cxnSp>
+        <p:nvCxnSpPr>
+          <p:cNvPr id="22" name="Straight Arrow Connector 21">
+            <a:extLst>
+              <a:ext uri="{FF2B5EF4-FFF2-40B4-BE49-F238E27FC236}">
+                <a16:creationId xmlns:a16="http://schemas.microsoft.com/office/drawing/2014/main" id="{CCAFF41B-FBB5-4C46-B1D6-8FAF6EA01593}"/>
+              </a:ext>
+            </a:extLst>
+          </p:cNvPr>
+          <p:cNvCxnSpPr>
+            <a:stCxn id="7" idx="3"/>
+            <a:endCxn id="20" idx="1"/>
+          </p:cNvCxnSpPr>
+          <p:nvPr/>
+        </p:nvCxnSpPr>
+        <p:spPr>
+          <a:xfrm>
+            <a:off x="2702257" y="2087367"/>
+            <a:ext cx="1655362" cy="0"/>
+          </a:xfrm>
+          <a:prstGeom prst="straightConnector1">
+            <a:avLst/>
+          </a:prstGeom>
+          <a:ln>
+            <a:tailEnd type="triangle"/>
+          </a:ln>
+        </p:spPr>
+        <p:style>
+          <a:lnRef idx="1">
+            <a:schemeClr val="accent1"/>
+          </a:lnRef>
+          <a:fillRef idx="0">
+            <a:schemeClr val="accent1"/>
+          </a:fillRef>
+          <a:effectRef idx="0">
+            <a:schemeClr val="accent1"/>
+          </a:effectRef>
+          <a:fontRef idx="minor">
+            <a:schemeClr val="tx1"/>
+          </a:fontRef>
+        </p:style>
+      </p:cxnSp>
+      <p:sp>
+        <p:nvSpPr>
+          <p:cNvPr id="23" name="TextBox 22">
+            <a:extLst>
+              <a:ext uri="{FF2B5EF4-FFF2-40B4-BE49-F238E27FC236}">
+                <a16:creationId xmlns:a16="http://schemas.microsoft.com/office/drawing/2014/main" id="{CC58A53F-519C-481F-9163-A9536AC080AE}"/>
+              </a:ext>
+            </a:extLst>
+          </p:cNvPr>
+          <p:cNvSpPr txBox="1"/>
+          <p:nvPr/>
+        </p:nvSpPr>
+        <p:spPr>
+          <a:xfrm flipH="1">
+            <a:off x="3152633" y="1821236"/>
+            <a:ext cx="586854" cy="307777"/>
+          </a:xfrm>
+          <a:prstGeom prst="rect">
+            <a:avLst/>
+          </a:prstGeom>
+          <a:noFill/>
+        </p:spPr>
+        <p:txBody>
+          <a:bodyPr wrap="square" rtlCol="0">
+            <a:spAutoFit/>
+          </a:bodyPr>
+          <a:lstStyle/>
+          <a:p>
+            <a:r>
+              <a:rPr lang="en-US" sz="1400" dirty="0"/>
+              <a:t>Tiene</a:t>
+            </a:r>
+          </a:p>
+        </p:txBody>
+      </p:sp>
+      <p:sp>
+        <p:nvSpPr>
+          <p:cNvPr id="26" name="Rectangle: Rounded Corners 25">
+            <a:extLst>
+              <a:ext uri="{FF2B5EF4-FFF2-40B4-BE49-F238E27FC236}">
+                <a16:creationId xmlns:a16="http://schemas.microsoft.com/office/drawing/2014/main" id="{1A902468-1180-428D-B250-12C06659078F}"/>
+              </a:ext>
+            </a:extLst>
+          </p:cNvPr>
+          <p:cNvSpPr/>
+          <p:nvPr/>
+        </p:nvSpPr>
+        <p:spPr>
+          <a:xfrm>
+            <a:off x="4357619" y="2777661"/>
+            <a:ext cx="1864057" cy="532262"/>
+          </a:xfrm>
+          <a:prstGeom prst="roundRect">
+            <a:avLst/>
+          </a:prstGeom>
+        </p:spPr>
+        <p:style>
+          <a:lnRef idx="2">
+            <a:schemeClr val="accent1">
+              <a:shade val="50000"/>
+            </a:schemeClr>
+          </a:lnRef>
+          <a:fillRef idx="1">
+            <a:schemeClr val="accent1"/>
+          </a:fillRef>
+          <a:effectRef idx="0">
+            <a:schemeClr val="accent1"/>
+          </a:effectRef>
+          <a:fontRef idx="minor">
+            <a:schemeClr val="lt1"/>
+          </a:fontRef>
+        </p:style>
+        <p:txBody>
+          <a:bodyPr rtlCol="0" anchor="ctr"/>
+          <a:lstStyle/>
+          <a:p>
+            <a:pPr algn="ctr"/>
+            <a:r>
+              <a:rPr lang="es-419" sz="1400" dirty="0"/>
+              <a:t>Pagos</a:t>
+            </a:r>
+          </a:p>
+        </p:txBody>
+      </p:sp>
+      <p:cxnSp>
+        <p:nvCxnSpPr>
+          <p:cNvPr id="28" name="Connector: Elbow 27">
+            <a:extLst>
+              <a:ext uri="{FF2B5EF4-FFF2-40B4-BE49-F238E27FC236}">
+                <a16:creationId xmlns:a16="http://schemas.microsoft.com/office/drawing/2014/main" id="{B9499F3D-637C-4498-AB04-A8A98DACF69C}"/>
+              </a:ext>
+            </a:extLst>
+          </p:cNvPr>
+          <p:cNvCxnSpPr>
+            <a:cxnSpLocks/>
+            <a:endCxn id="26" idx="1"/>
+          </p:cNvCxnSpPr>
+          <p:nvPr/>
+        </p:nvCxnSpPr>
+        <p:spPr>
+          <a:xfrm>
+            <a:off x="2236243" y="2283997"/>
+            <a:ext cx="2121376" cy="759795"/>
+          </a:xfrm>
+          <a:prstGeom prst="bentConnector3">
+            <a:avLst/>
+          </a:prstGeom>
+          <a:ln>
+            <a:tailEnd type="triangle"/>
+          </a:ln>
+        </p:spPr>
+        <p:style>
+          <a:lnRef idx="1">
+            <a:schemeClr val="accent1"/>
+          </a:lnRef>
+          <a:fillRef idx="0">
+            <a:schemeClr val="accent1"/>
+          </a:fillRef>
+          <a:effectRef idx="0">
+            <a:schemeClr val="accent1"/>
+          </a:effectRef>
+          <a:fontRef idx="minor">
+            <a:schemeClr val="tx1"/>
+          </a:fontRef>
+        </p:style>
+      </p:cxnSp>
+      <p:sp>
+        <p:nvSpPr>
+          <p:cNvPr id="29" name="TextBox 28">
+            <a:extLst>
+              <a:ext uri="{FF2B5EF4-FFF2-40B4-BE49-F238E27FC236}">
+                <a16:creationId xmlns:a16="http://schemas.microsoft.com/office/drawing/2014/main" id="{077AD69D-6569-40DA-81C0-4CE0924850B8}"/>
+              </a:ext>
+            </a:extLst>
+          </p:cNvPr>
+          <p:cNvSpPr txBox="1"/>
+          <p:nvPr/>
+        </p:nvSpPr>
+        <p:spPr>
+          <a:xfrm flipH="1">
+            <a:off x="3352577" y="2736015"/>
+            <a:ext cx="1033244" cy="307777"/>
+          </a:xfrm>
+          <a:prstGeom prst="rect">
+            <a:avLst/>
+          </a:prstGeom>
+          <a:noFill/>
+        </p:spPr>
+        <p:txBody>
+          <a:bodyPr wrap="square" rtlCol="0">
+            <a:spAutoFit/>
+          </a:bodyPr>
+          <a:lstStyle/>
+          <a:p>
+            <a:r>
+              <a:rPr lang="en-US" sz="1400" dirty="0"/>
+              <a:t>Se </a:t>
+            </a:r>
+            <a:r>
+              <a:rPr lang="en-US" sz="1400" dirty="0" err="1"/>
+              <a:t>realizan</a:t>
+            </a:r>
+            <a:endParaRPr lang="en-US" sz="1400" dirty="0"/>
+          </a:p>
+        </p:txBody>
+      </p:sp>
+      <p:sp>
+        <p:nvSpPr>
+          <p:cNvPr id="32" name="Rectangle: Rounded Corners 31">
+            <a:extLst>
+              <a:ext uri="{FF2B5EF4-FFF2-40B4-BE49-F238E27FC236}">
+                <a16:creationId xmlns:a16="http://schemas.microsoft.com/office/drawing/2014/main" id="{17AEF409-6EC8-47BE-AFC9-1D43C0095F0F}"/>
+              </a:ext>
+            </a:extLst>
+          </p:cNvPr>
+          <p:cNvSpPr/>
+          <p:nvPr/>
+        </p:nvSpPr>
+        <p:spPr>
+          <a:xfrm>
+            <a:off x="6980260" y="575734"/>
+            <a:ext cx="1864057" cy="532262"/>
+          </a:xfrm>
+          <a:prstGeom prst="roundRect">
+            <a:avLst/>
+          </a:prstGeom>
+        </p:spPr>
+        <p:style>
+          <a:lnRef idx="2">
+            <a:schemeClr val="accent1">
+              <a:shade val="50000"/>
+            </a:schemeClr>
+          </a:lnRef>
+          <a:fillRef idx="1">
+            <a:schemeClr val="accent1"/>
+          </a:fillRef>
+          <a:effectRef idx="0">
+            <a:schemeClr val="accent1"/>
+          </a:effectRef>
+          <a:fontRef idx="minor">
+            <a:schemeClr val="lt1"/>
+          </a:fontRef>
+        </p:style>
+        <p:txBody>
+          <a:bodyPr rtlCol="0" anchor="ctr"/>
+          <a:lstStyle/>
+          <a:p>
+            <a:pPr algn="ctr"/>
+            <a:r>
+              <a:rPr lang="es-419" sz="1400" dirty="0"/>
+              <a:t>Servicios</a:t>
+            </a:r>
+          </a:p>
+        </p:txBody>
+      </p:sp>
+      <p:cxnSp>
+        <p:nvCxnSpPr>
+          <p:cNvPr id="34" name="Straight Arrow Connector 33">
+            <a:extLst>
+              <a:ext uri="{FF2B5EF4-FFF2-40B4-BE49-F238E27FC236}">
+                <a16:creationId xmlns:a16="http://schemas.microsoft.com/office/drawing/2014/main" id="{3DCB78D4-B264-4028-B0E8-C2977409BF6F}"/>
+              </a:ext>
+            </a:extLst>
+          </p:cNvPr>
+          <p:cNvCxnSpPr/>
+          <p:nvPr/>
+        </p:nvCxnSpPr>
+        <p:spPr>
+          <a:xfrm flipH="1">
+            <a:off x="6221676" y="1107995"/>
+            <a:ext cx="738682" cy="713241"/>
+          </a:xfrm>
+          <a:prstGeom prst="straightConnector1">
+            <a:avLst/>
+          </a:prstGeom>
+          <a:ln>
+            <a:prstDash val="dash"/>
+            <a:tailEnd type="triangle"/>
+          </a:ln>
+        </p:spPr>
+        <p:style>
+          <a:lnRef idx="1">
+            <a:schemeClr val="accent1"/>
+          </a:lnRef>
+          <a:fillRef idx="0">
+            <a:schemeClr val="accent1"/>
+          </a:fillRef>
+          <a:effectRef idx="0">
+            <a:schemeClr val="accent1"/>
+          </a:effectRef>
+          <a:fontRef idx="minor">
+            <a:schemeClr val="tx1"/>
+          </a:fontRef>
+        </p:style>
+      </p:cxnSp>
+      <p:sp>
+        <p:nvSpPr>
+          <p:cNvPr id="35" name="TextBox 34">
+            <a:extLst>
+              <a:ext uri="{FF2B5EF4-FFF2-40B4-BE49-F238E27FC236}">
+                <a16:creationId xmlns:a16="http://schemas.microsoft.com/office/drawing/2014/main" id="{B10556DB-F61F-47E7-BB09-80AC192EFCF7}"/>
+              </a:ext>
+            </a:extLst>
+          </p:cNvPr>
+          <p:cNvSpPr txBox="1"/>
+          <p:nvPr/>
+        </p:nvSpPr>
+        <p:spPr>
+          <a:xfrm flipH="1">
+            <a:off x="5424296" y="1143145"/>
+            <a:ext cx="1506146" cy="307777"/>
+          </a:xfrm>
+          <a:prstGeom prst="rect">
+            <a:avLst/>
+          </a:prstGeom>
+          <a:noFill/>
+        </p:spPr>
+        <p:txBody>
+          <a:bodyPr wrap="square" rtlCol="0">
+            <a:spAutoFit/>
+          </a:bodyPr>
+          <a:lstStyle/>
+          <a:p>
+            <a:r>
+              <a:rPr lang="en-US" sz="1400" dirty="0"/>
+              <a:t>Consulta </a:t>
+            </a:r>
+            <a:r>
+              <a:rPr lang="en-US" sz="1400" dirty="0" err="1"/>
+              <a:t>desde</a:t>
+            </a:r>
+            <a:endParaRPr lang="en-US" sz="1400" dirty="0"/>
+          </a:p>
+        </p:txBody>
+      </p:sp>
+      <p:sp>
+        <p:nvSpPr>
+          <p:cNvPr id="38" name="TextBox 37">
+            <a:extLst>
+              <a:ext uri="{FF2B5EF4-FFF2-40B4-BE49-F238E27FC236}">
+                <a16:creationId xmlns:a16="http://schemas.microsoft.com/office/drawing/2014/main" id="{CD38943E-E2CF-4D52-8005-15045921DA3B}"/>
+              </a:ext>
+            </a:extLst>
+          </p:cNvPr>
+          <p:cNvSpPr txBox="1"/>
+          <p:nvPr/>
+        </p:nvSpPr>
+        <p:spPr>
+          <a:xfrm>
+            <a:off x="6614557" y="4050421"/>
+            <a:ext cx="2027829" cy="2308324"/>
+          </a:xfrm>
+          <a:prstGeom prst="rect">
+            <a:avLst/>
+          </a:prstGeom>
+          <a:noFill/>
+        </p:spPr>
+        <p:txBody>
+          <a:bodyPr wrap="square" rtlCol="0">
+            <a:spAutoFit/>
+          </a:bodyPr>
+          <a:lstStyle/>
+          <a:p>
+            <a:r>
+              <a:rPr lang="en-US" b="1" dirty="0" err="1"/>
+              <a:t>Servicios</a:t>
+            </a:r>
+            <a:endParaRPr lang="en-US" b="1" dirty="0"/>
+          </a:p>
+          <a:p>
+            <a:pPr marL="285750" indent="-285750">
+              <a:buFont typeface="Arial" panose="020B0604020202020204" pitchFamily="34" charset="0"/>
+              <a:buChar char="•"/>
+            </a:pPr>
+            <a:r>
+              <a:rPr lang="en-US" dirty="0"/>
+              <a:t>Id</a:t>
+            </a:r>
+          </a:p>
+          <a:p>
+            <a:pPr marL="285750" indent="-285750">
+              <a:buFont typeface="Arial" panose="020B0604020202020204" pitchFamily="34" charset="0"/>
+              <a:buChar char="•"/>
+            </a:pPr>
+            <a:r>
+              <a:rPr lang="en-US" dirty="0" err="1"/>
+              <a:t>Fecha</a:t>
+            </a:r>
+            <a:r>
+              <a:rPr lang="en-US" dirty="0"/>
+              <a:t> </a:t>
+            </a:r>
+            <a:r>
+              <a:rPr lang="en-US" dirty="0" err="1"/>
+              <a:t>Creacion</a:t>
+            </a:r>
+            <a:endParaRPr lang="en-US" dirty="0"/>
+          </a:p>
+          <a:p>
+            <a:pPr marL="285750" indent="-285750">
+              <a:buFont typeface="Arial" panose="020B0604020202020204" pitchFamily="34" charset="0"/>
+              <a:buChar char="•"/>
+            </a:pPr>
+            <a:r>
+              <a:rPr lang="en-US" dirty="0"/>
+              <a:t>Area</a:t>
+            </a:r>
+          </a:p>
+          <a:p>
+            <a:pPr marL="285750" indent="-285750">
+              <a:buFont typeface="Arial" panose="020B0604020202020204" pitchFamily="34" charset="0"/>
+              <a:buChar char="•"/>
+            </a:pPr>
+            <a:r>
+              <a:rPr lang="en-US" dirty="0" err="1"/>
+              <a:t>Especialidad</a:t>
+            </a:r>
+            <a:endParaRPr lang="en-US" dirty="0"/>
+          </a:p>
+          <a:p>
+            <a:pPr marL="285750" indent="-285750">
+              <a:buFont typeface="Arial" panose="020B0604020202020204" pitchFamily="34" charset="0"/>
+              <a:buChar char="•"/>
+            </a:pPr>
+            <a:r>
+              <a:rPr lang="en-US" dirty="0" err="1"/>
+              <a:t>Nombre</a:t>
+            </a:r>
+            <a:endParaRPr lang="en-US" dirty="0"/>
+          </a:p>
+          <a:p>
+            <a:pPr marL="285750" indent="-285750">
+              <a:buFont typeface="Arial" panose="020B0604020202020204" pitchFamily="34" charset="0"/>
+              <a:buChar char="•"/>
+            </a:pPr>
+            <a:r>
+              <a:rPr lang="en-US" dirty="0" err="1"/>
+              <a:t>Precio</a:t>
+            </a:r>
+            <a:endParaRPr lang="en-US" dirty="0"/>
+          </a:p>
+          <a:p>
+            <a:pPr marL="285750" indent="-285750">
+              <a:buFont typeface="Arial" panose="020B0604020202020204" pitchFamily="34" charset="0"/>
+              <a:buChar char="•"/>
+            </a:pPr>
+            <a:endParaRPr lang="en-US" dirty="0"/>
+          </a:p>
+        </p:txBody>
+      </p:sp>
+      <p:sp>
+        <p:nvSpPr>
+          <p:cNvPr id="39" name="TextBox 38">
+            <a:extLst>
+              <a:ext uri="{FF2B5EF4-FFF2-40B4-BE49-F238E27FC236}">
+                <a16:creationId xmlns:a16="http://schemas.microsoft.com/office/drawing/2014/main" id="{196885F4-D847-421A-94F3-3FAEF8CDF068}"/>
+              </a:ext>
+            </a:extLst>
+          </p:cNvPr>
+          <p:cNvSpPr txBox="1"/>
+          <p:nvPr/>
+        </p:nvSpPr>
+        <p:spPr>
+          <a:xfrm>
+            <a:off x="8817023" y="4050421"/>
+            <a:ext cx="2027829" cy="2031325"/>
+          </a:xfrm>
+          <a:prstGeom prst="rect">
+            <a:avLst/>
+          </a:prstGeom>
+          <a:noFill/>
+        </p:spPr>
+        <p:txBody>
+          <a:bodyPr wrap="square" rtlCol="0">
+            <a:spAutoFit/>
+          </a:bodyPr>
+          <a:lstStyle/>
+          <a:p>
+            <a:r>
+              <a:rPr lang="en-US" b="1" dirty="0" err="1"/>
+              <a:t>Pacientes</a:t>
+            </a:r>
+            <a:endParaRPr lang="en-US" b="1" dirty="0"/>
+          </a:p>
+          <a:p>
+            <a:pPr marL="285750" indent="-285750">
+              <a:buFont typeface="Arial" panose="020B0604020202020204" pitchFamily="34" charset="0"/>
+              <a:buChar char="•"/>
+            </a:pPr>
+            <a:r>
+              <a:rPr lang="en-US" dirty="0"/>
+              <a:t>Id</a:t>
+            </a:r>
+          </a:p>
+          <a:p>
+            <a:pPr marL="285750" indent="-285750">
+              <a:buFont typeface="Arial" panose="020B0604020202020204" pitchFamily="34" charset="0"/>
+              <a:buChar char="•"/>
+            </a:pPr>
+            <a:r>
+              <a:rPr lang="en-US" dirty="0" err="1"/>
+              <a:t>Fecha</a:t>
+            </a:r>
+            <a:r>
+              <a:rPr lang="en-US" dirty="0"/>
+              <a:t> </a:t>
+            </a:r>
+            <a:r>
+              <a:rPr lang="en-US" dirty="0" err="1"/>
+              <a:t>Creacion</a:t>
+            </a:r>
+            <a:endParaRPr lang="en-US" dirty="0"/>
+          </a:p>
+          <a:p>
+            <a:pPr marL="285750" indent="-285750">
+              <a:buFont typeface="Arial" panose="020B0604020202020204" pitchFamily="34" charset="0"/>
+              <a:buChar char="•"/>
+            </a:pPr>
+            <a:r>
+              <a:rPr lang="en-US" dirty="0" err="1"/>
+              <a:t>Nombre</a:t>
+            </a:r>
+            <a:endParaRPr lang="en-US" dirty="0"/>
+          </a:p>
+          <a:p>
+            <a:pPr marL="285750" indent="-285750">
+              <a:buFont typeface="Arial" panose="020B0604020202020204" pitchFamily="34" charset="0"/>
+              <a:buChar char="•"/>
+            </a:pPr>
+            <a:r>
+              <a:rPr lang="en-US" dirty="0" err="1"/>
+              <a:t>Telefono</a:t>
+            </a:r>
+            <a:endParaRPr lang="en-US" dirty="0"/>
+          </a:p>
+          <a:p>
+            <a:pPr marL="285750" indent="-285750">
+              <a:buFont typeface="Arial" panose="020B0604020202020204" pitchFamily="34" charset="0"/>
+              <a:buChar char="•"/>
+            </a:pPr>
+            <a:r>
+              <a:rPr lang="en-US" dirty="0" err="1"/>
+              <a:t>Correo</a:t>
+            </a:r>
+            <a:endParaRPr lang="en-US" dirty="0"/>
+          </a:p>
+          <a:p>
+            <a:pPr marL="285750" indent="-285750">
+              <a:buFont typeface="Arial" panose="020B0604020202020204" pitchFamily="34" charset="0"/>
+              <a:buChar char="•"/>
+            </a:pPr>
+            <a:endParaRPr lang="en-US" dirty="0"/>
+          </a:p>
+        </p:txBody>
+      </p:sp>
+    </p:spTree>
+    <p:extLst>
+      <p:ext uri="{BB962C8B-B14F-4D97-AF65-F5344CB8AC3E}">
+        <p14:creationId xmlns:p14="http://schemas.microsoft.com/office/powerpoint/2010/main" val="1643404581"/>
       </p:ext>
     </p:extLst>
   </p:cSld>

--- a/Docs/Esquema.pptx
+++ b/Docs/Esquema.pptx
@@ -5384,7 +5384,7 @@
         <p:spPr>
           <a:xfrm>
             <a:off x="8817023" y="4050421"/>
-            <a:ext cx="2027829" cy="2031325"/>
+            <a:ext cx="2270669" cy="2308324"/>
           </a:xfrm>
           <a:prstGeom prst="rect">
             <a:avLst/>
@@ -5442,6 +5442,20 @@
               <a:t>Nombre</a:t>
             </a:r>
             <a:endParaRPr lang="en-US" dirty="0"/>
+          </a:p>
+          <a:p>
+            <a:pPr marL="285750" indent="-285750">
+              <a:buFont typeface="Arial" panose="020B0604020202020204" pitchFamily="34" charset="0"/>
+              <a:buChar char="•"/>
+            </a:pPr>
+            <a:r>
+              <a:rPr lang="en-US" dirty="0" err="1"/>
+              <a:t>Fecha</a:t>
+            </a:r>
+            <a:r>
+              <a:rPr lang="en-US" dirty="0"/>
+              <a:t> Nacimiento</a:t>
+            </a:r>
           </a:p>
           <a:p>
             <a:pPr marL="285750" indent="-285750">
